--- a/Tutorial/EasyModel_Tutorial.pptx
+++ b/Tutorial/EasyModel_Tutorial.pptx
@@ -205,7 +205,7 @@
           <a:p>
             <a:fld id="{70B3FF5D-A208-4314-AC59-081436CA260C}" type="datetimeFigureOut">
               <a:rPr lang="en-US" smtClean="0"/>
-              <a:t>12/15/2020</a:t>
+              <a:t>12/16/2020</a:t>
             </a:fld>
             <a:endParaRPr lang="en-US"/>
           </a:p>
@@ -1024,7 +1024,7 @@
           <a:p>
             <a:fld id="{A753835E-33D4-45E3-925F-9A4DDE80A361}" type="datetimeFigureOut">
               <a:rPr lang="en-US" smtClean="0"/>
-              <a:t>12/15/2020</a:t>
+              <a:t>12/16/2020</a:t>
             </a:fld>
             <a:endParaRPr lang="en-US"/>
           </a:p>
@@ -1194,7 +1194,7 @@
           <a:p>
             <a:fld id="{A753835E-33D4-45E3-925F-9A4DDE80A361}" type="datetimeFigureOut">
               <a:rPr lang="en-US" smtClean="0"/>
-              <a:t>12/15/2020</a:t>
+              <a:t>12/16/2020</a:t>
             </a:fld>
             <a:endParaRPr lang="en-US"/>
           </a:p>
@@ -1374,7 +1374,7 @@
           <a:p>
             <a:fld id="{A753835E-33D4-45E3-925F-9A4DDE80A361}" type="datetimeFigureOut">
               <a:rPr lang="en-US" smtClean="0"/>
-              <a:t>12/15/2020</a:t>
+              <a:t>12/16/2020</a:t>
             </a:fld>
             <a:endParaRPr lang="en-US"/>
           </a:p>
@@ -1544,7 +1544,7 @@
           <a:p>
             <a:fld id="{A753835E-33D4-45E3-925F-9A4DDE80A361}" type="datetimeFigureOut">
               <a:rPr lang="en-US" smtClean="0"/>
-              <a:t>12/15/2020</a:t>
+              <a:t>12/16/2020</a:t>
             </a:fld>
             <a:endParaRPr lang="en-US"/>
           </a:p>
@@ -1790,7 +1790,7 @@
           <a:p>
             <a:fld id="{A753835E-33D4-45E3-925F-9A4DDE80A361}" type="datetimeFigureOut">
               <a:rPr lang="en-US" smtClean="0"/>
-              <a:t>12/15/2020</a:t>
+              <a:t>12/16/2020</a:t>
             </a:fld>
             <a:endParaRPr lang="en-US"/>
           </a:p>
@@ -2022,7 +2022,7 @@
           <a:p>
             <a:fld id="{A753835E-33D4-45E3-925F-9A4DDE80A361}" type="datetimeFigureOut">
               <a:rPr lang="en-US" smtClean="0"/>
-              <a:t>12/15/2020</a:t>
+              <a:t>12/16/2020</a:t>
             </a:fld>
             <a:endParaRPr lang="en-US"/>
           </a:p>
@@ -2389,7 +2389,7 @@
           <a:p>
             <a:fld id="{A753835E-33D4-45E3-925F-9A4DDE80A361}" type="datetimeFigureOut">
               <a:rPr lang="en-US" smtClean="0"/>
-              <a:t>12/15/2020</a:t>
+              <a:t>12/16/2020</a:t>
             </a:fld>
             <a:endParaRPr lang="en-US"/>
           </a:p>
@@ -2507,7 +2507,7 @@
           <a:p>
             <a:fld id="{A753835E-33D4-45E3-925F-9A4DDE80A361}" type="datetimeFigureOut">
               <a:rPr lang="en-US" smtClean="0"/>
-              <a:t>12/15/2020</a:t>
+              <a:t>12/16/2020</a:t>
             </a:fld>
             <a:endParaRPr lang="en-US"/>
           </a:p>
@@ -2602,7 +2602,7 @@
           <a:p>
             <a:fld id="{A753835E-33D4-45E3-925F-9A4DDE80A361}" type="datetimeFigureOut">
               <a:rPr lang="en-US" smtClean="0"/>
-              <a:t>12/15/2020</a:t>
+              <a:t>12/16/2020</a:t>
             </a:fld>
             <a:endParaRPr lang="en-US"/>
           </a:p>
@@ -2879,7 +2879,7 @@
           <a:p>
             <a:fld id="{A753835E-33D4-45E3-925F-9A4DDE80A361}" type="datetimeFigureOut">
               <a:rPr lang="en-US" smtClean="0"/>
-              <a:t>12/15/2020</a:t>
+              <a:t>12/16/2020</a:t>
             </a:fld>
             <a:endParaRPr lang="en-US"/>
           </a:p>
@@ -3136,7 +3136,7 @@
           <a:p>
             <a:fld id="{A753835E-33D4-45E3-925F-9A4DDE80A361}" type="datetimeFigureOut">
               <a:rPr lang="en-US" smtClean="0"/>
-              <a:t>12/15/2020</a:t>
+              <a:t>12/16/2020</a:t>
             </a:fld>
             <a:endParaRPr lang="en-US"/>
           </a:p>
@@ -3349,7 +3349,7 @@
           <a:p>
             <a:fld id="{A753835E-33D4-45E3-925F-9A4DDE80A361}" type="datetimeFigureOut">
               <a:rPr lang="en-US" smtClean="0"/>
-              <a:t>12/15/2020</a:t>
+              <a:t>12/16/2020</a:t>
             </a:fld>
             <a:endParaRPr lang="en-US"/>
           </a:p>
@@ -3815,6 +3815,15 @@
               </a:rPr>
               <a:t>EasyModel</a:t>
             </a:r>
+            <a:r>
+              <a:rPr lang="en-US" sz="7200" dirty="0" smtClean="0">
+                <a:solidFill>
+                  <a:srgbClr val="0099FF"/>
+                </a:solidFill>
+                <a:latin typeface="Myriad Pro" panose="020B0503030403020204" pitchFamily="34" charset="0"/>
+              </a:rPr>
+              <a:t>!</a:t>
+            </a:r>
             <a:endParaRPr lang="en-US" sz="7200" dirty="0">
               <a:solidFill>
                 <a:srgbClr val="0099FF"/>
@@ -3876,7 +3885,47 @@
                 <a:latin typeface="Myriad Pro" panose="020B0503030403020204" pitchFamily="34" charset="0"/>
                 <a:ea typeface="NSimSun" panose="02010609030101010101" pitchFamily="49" charset="-122"/>
               </a:rPr>
-              <a:t>This tutorial will teach you how to create and simulate your first </a:t>
+              <a:t>This tutorial will teach you how </a:t>
+            </a:r>
+            <a:r>
+              <a:rPr lang="en-US" sz="3200" dirty="0" smtClean="0">
+                <a:solidFill>
+                  <a:srgbClr val="0099FF"/>
+                </a:solidFill>
+                <a:latin typeface="Myriad Pro" panose="020B0503030403020204" pitchFamily="34" charset="0"/>
+                <a:ea typeface="NSimSun" panose="02010609030101010101" pitchFamily="49" charset="-122"/>
+              </a:rPr>
+              <a:t>to </a:t>
+            </a:r>
+            <a:r>
+              <a:rPr lang="en-US" sz="3200" dirty="0" smtClean="0">
+                <a:solidFill>
+                  <a:srgbClr val="0099FF"/>
+                </a:solidFill>
+                <a:latin typeface="Myriad Pro" panose="020B0503030403020204" pitchFamily="34" charset="0"/>
+                <a:ea typeface="NSimSun" panose="02010609030101010101" pitchFamily="49" charset="-122"/>
+              </a:rPr>
+              <a:t>model</a:t>
+            </a:r>
+            <a:r>
+              <a:rPr lang="en-US" sz="3200" dirty="0" smtClean="0">
+                <a:solidFill>
+                  <a:srgbClr val="0099FF"/>
+                </a:solidFill>
+                <a:latin typeface="Myriad Pro" panose="020B0503030403020204" pitchFamily="34" charset="0"/>
+                <a:ea typeface="NSimSun" panose="02010609030101010101" pitchFamily="49" charset="-122"/>
+              </a:rPr>
+              <a:t> and simulate a </a:t>
+            </a:r>
+            <a:r>
+              <a:rPr lang="en-US" sz="3200" dirty="0" smtClean="0">
+                <a:solidFill>
+                  <a:srgbClr val="0099FF"/>
+                </a:solidFill>
+                <a:latin typeface="Myriad Pro" panose="020B0503030403020204" pitchFamily="34" charset="0"/>
+                <a:ea typeface="NSimSun" panose="02010609030101010101" pitchFamily="49" charset="-122"/>
+              </a:rPr>
+              <a:t>systems biology </a:t>
             </a:r>
             <a:r>
               <a:rPr lang="en-US" sz="3200" dirty="0" smtClean="0">
@@ -3888,6 +3937,13 @@
               </a:rPr>
               <a:t>model.</a:t>
             </a:r>
+            <a:endParaRPr lang="en-US" sz="3200" dirty="0" smtClean="0">
+              <a:solidFill>
+                <a:srgbClr val="0099FF"/>
+              </a:solidFill>
+              <a:latin typeface="Myriad Pro" panose="020B0503030403020204" pitchFamily="34" charset="0"/>
+              <a:ea typeface="NSimSun" panose="02010609030101010101" pitchFamily="49" charset="-122"/>
+            </a:endParaRPr>
           </a:p>
           <a:p>
             <a:pPr algn="l"/>
@@ -3929,7 +3985,17 @@
                 <a:latin typeface="Myriad Pro" panose="020B0503030403020204" pitchFamily="34" charset="0"/>
                 <a:ea typeface="NSimSun" panose="02010609030101010101" pitchFamily="49" charset="-122"/>
               </a:rPr>
-              <a:t>, indicating how you can use the interface to create your model.</a:t>
+              <a:t>, indicating how you can use the </a:t>
+            </a:r>
+            <a:r>
+              <a:rPr lang="en-US" sz="3200" dirty="0" smtClean="0">
+                <a:solidFill>
+                  <a:srgbClr val="0099FF"/>
+                </a:solidFill>
+                <a:latin typeface="Myriad Pro" panose="020B0503030403020204" pitchFamily="34" charset="0"/>
+                <a:ea typeface="NSimSun" panose="02010609030101010101" pitchFamily="49" charset="-122"/>
+              </a:rPr>
+              <a:t>user interface.</a:t>
             </a:r>
           </a:p>
           <a:p>
@@ -3945,17 +4011,17 @@
           <a:p>
             <a:pPr algn="l"/>
             <a:r>
-              <a:rPr lang="en-US" sz="3200" dirty="0">
+              <a:rPr lang="en-US" sz="3200" dirty="0" smtClean="0">
                 <a:solidFill>
                   <a:srgbClr val="0099FF"/>
                 </a:solidFill>
                 <a:latin typeface="Myriad Pro" panose="020B0503030403020204" pitchFamily="34" charset="0"/>
                 <a:ea typeface="NSimSun" panose="02010609030101010101" pitchFamily="49" charset="-122"/>
               </a:rPr>
-              <a:t>To start the tutorial press next (or press skip to use </a:t>
-            </a:r>
-            <a:r>
-              <a:rPr lang="en-US" sz="3200" dirty="0" err="1">
+              <a:t>Press next to start the tutorial (or press skip to use </a:t>
+            </a:r>
+            <a:r>
+              <a:rPr lang="en-US" sz="3200" dirty="0" err="1" smtClean="0">
                 <a:solidFill>
                   <a:srgbClr val="0099FF"/>
                 </a:solidFill>
@@ -3965,7 +4031,7 @@
               <a:t>EasyModel</a:t>
             </a:r>
             <a:r>
-              <a:rPr lang="en-US" sz="3200" dirty="0">
+              <a:rPr lang="en-US" sz="3200" dirty="0" smtClean="0">
                 <a:solidFill>
                   <a:srgbClr val="0099FF"/>
                 </a:solidFill>
@@ -3974,6 +4040,13 @@
               </a:rPr>
               <a:t>).</a:t>
             </a:r>
+            <a:endParaRPr lang="en-US" sz="3200" dirty="0">
+              <a:solidFill>
+                <a:srgbClr val="0099FF"/>
+              </a:solidFill>
+              <a:latin typeface="Myriad Pro" panose="020B0503030403020204" pitchFamily="34" charset="0"/>
+              <a:ea typeface="NSimSun" panose="02010609030101010101" pitchFamily="49" charset="-122"/>
+            </a:endParaRPr>
           </a:p>
         </p:txBody>
       </p:sp>
@@ -6764,8 +6837,8 @@
         </p:nvSpPr>
         <p:spPr>
           <a:xfrm>
-            <a:off x="5064076" y="1837925"/>
-            <a:ext cx="3003128" cy="408332"/>
+            <a:off x="5863134" y="1830609"/>
+            <a:ext cx="1232610" cy="408332"/>
           </a:xfrm>
           <a:prstGeom prst="roundRect">
             <a:avLst/>
@@ -6819,7 +6892,7 @@
         </p:blipFill>
         <p:spPr>
           <a:xfrm>
-            <a:off x="7074740" y="1657114"/>
+            <a:off x="7130156" y="1657114"/>
             <a:ext cx="4755658" cy="4739030"/>
           </a:xfrm>
           <a:prstGeom prst="rect">
@@ -7211,8 +7284,8 @@
         </p:nvCxnSpPr>
         <p:spPr>
           <a:xfrm>
-            <a:off x="5610882" y="2042091"/>
-            <a:ext cx="301788" cy="1"/>
+            <a:off x="5687688" y="2042091"/>
+            <a:ext cx="274200" cy="0"/>
           </a:xfrm>
           <a:prstGeom prst="straightConnector1">
             <a:avLst/>
@@ -7629,45 +7702,8 @@
         </p:nvCxnSpPr>
         <p:spPr>
           <a:xfrm flipV="1">
-            <a:off x="6375862" y="1546551"/>
-            <a:ext cx="13788" cy="814261"/>
-          </a:xfrm>
-          <a:prstGeom prst="straightConnector1">
-            <a:avLst/>
-          </a:prstGeom>
-          <a:ln w="19050">
-            <a:solidFill>
-              <a:srgbClr val="C00000"/>
-            </a:solidFill>
-            <a:headEnd type="triangle" w="med" len="med"/>
-            <a:tailEnd type="none" w="med" len="med"/>
-          </a:ln>
-        </p:spPr>
-        <p:style>
-          <a:lnRef idx="1">
-            <a:schemeClr val="accent1"/>
-          </a:lnRef>
-          <a:fillRef idx="0">
-            <a:schemeClr val="accent1"/>
-          </a:fillRef>
-          <a:effectRef idx="0">
-            <a:schemeClr val="accent1"/>
-          </a:effectRef>
-          <a:fontRef idx="minor">
-            <a:schemeClr val="tx1"/>
-          </a:fontRef>
-        </p:style>
-      </p:cxnSp>
-      <p:cxnSp>
-        <p:nvCxnSpPr>
-          <p:cNvPr id="37" name="Straight Arrow Connector 36"/>
-          <p:cNvCxnSpPr/>
-          <p:nvPr/>
-        </p:nvCxnSpPr>
-        <p:spPr>
-          <a:xfrm flipV="1">
-            <a:off x="13734536" y="1918036"/>
-            <a:ext cx="3331" cy="265207"/>
+            <a:off x="6376964" y="1546552"/>
+            <a:ext cx="12686" cy="749176"/>
           </a:xfrm>
           <a:prstGeom prst="straightConnector1">
             <a:avLst/>
@@ -8020,8 +8056,8 @@
         </p:nvCxnSpPr>
         <p:spPr>
           <a:xfrm flipV="1">
-            <a:off x="10630362" y="1546551"/>
-            <a:ext cx="13788" cy="814261"/>
+            <a:off x="10644150" y="1546552"/>
+            <a:ext cx="0" cy="749176"/>
           </a:xfrm>
           <a:prstGeom prst="straightConnector1">
             <a:avLst/>
@@ -9529,6 +9565,29 @@
           </a:p>
         </p:txBody>
       </p:sp>
+      <p:pic>
+        <p:nvPicPr>
+          <p:cNvPr id="4" name="Picture 3"/>
+          <p:cNvPicPr>
+            <a:picLocks noChangeAspect="1"/>
+          </p:cNvPicPr>
+          <p:nvPr/>
+        </p:nvPicPr>
+        <p:blipFill rotWithShape="1">
+          <a:blip r:embed="rId4"/>
+          <a:srcRect b="4354"/>
+          <a:stretch/>
+        </p:blipFill>
+        <p:spPr>
+          <a:xfrm>
+            <a:off x="2896344" y="1633937"/>
+            <a:ext cx="6818126" cy="6031459"/>
+          </a:xfrm>
+          <a:prstGeom prst="rect">
+            <a:avLst/>
+          </a:prstGeom>
+        </p:spPr>
+      </p:pic>
     </p:spTree>
     <p:extLst>
       <p:ext uri="{BB962C8B-B14F-4D97-AF65-F5344CB8AC3E}">

--- a/Tutorial/EasyModel_Tutorial.pptx
+++ b/Tutorial/EasyModel_Tutorial.pptx
@@ -205,7 +205,7 @@
           <a:p>
             <a:fld id="{70B3FF5D-A208-4314-AC59-081436CA260C}" type="datetimeFigureOut">
               <a:rPr lang="en-US" smtClean="0"/>
-              <a:t>12/16/2020</a:t>
+              <a:t>3/9/2021</a:t>
             </a:fld>
             <a:endParaRPr lang="en-US"/>
           </a:p>
@@ -1024,7 +1024,7 @@
           <a:p>
             <a:fld id="{A753835E-33D4-45E3-925F-9A4DDE80A361}" type="datetimeFigureOut">
               <a:rPr lang="en-US" smtClean="0"/>
-              <a:t>12/16/2020</a:t>
+              <a:t>3/9/2021</a:t>
             </a:fld>
             <a:endParaRPr lang="en-US"/>
           </a:p>
@@ -1194,7 +1194,7 @@
           <a:p>
             <a:fld id="{A753835E-33D4-45E3-925F-9A4DDE80A361}" type="datetimeFigureOut">
               <a:rPr lang="en-US" smtClean="0"/>
-              <a:t>12/16/2020</a:t>
+              <a:t>3/9/2021</a:t>
             </a:fld>
             <a:endParaRPr lang="en-US"/>
           </a:p>
@@ -1374,7 +1374,7 @@
           <a:p>
             <a:fld id="{A753835E-33D4-45E3-925F-9A4DDE80A361}" type="datetimeFigureOut">
               <a:rPr lang="en-US" smtClean="0"/>
-              <a:t>12/16/2020</a:t>
+              <a:t>3/9/2021</a:t>
             </a:fld>
             <a:endParaRPr lang="en-US"/>
           </a:p>
@@ -1544,7 +1544,7 @@
           <a:p>
             <a:fld id="{A753835E-33D4-45E3-925F-9A4DDE80A361}" type="datetimeFigureOut">
               <a:rPr lang="en-US" smtClean="0"/>
-              <a:t>12/16/2020</a:t>
+              <a:t>3/9/2021</a:t>
             </a:fld>
             <a:endParaRPr lang="en-US"/>
           </a:p>
@@ -1790,7 +1790,7 @@
           <a:p>
             <a:fld id="{A753835E-33D4-45E3-925F-9A4DDE80A361}" type="datetimeFigureOut">
               <a:rPr lang="en-US" smtClean="0"/>
-              <a:t>12/16/2020</a:t>
+              <a:t>3/9/2021</a:t>
             </a:fld>
             <a:endParaRPr lang="en-US"/>
           </a:p>
@@ -2022,7 +2022,7 @@
           <a:p>
             <a:fld id="{A753835E-33D4-45E3-925F-9A4DDE80A361}" type="datetimeFigureOut">
               <a:rPr lang="en-US" smtClean="0"/>
-              <a:t>12/16/2020</a:t>
+              <a:t>3/9/2021</a:t>
             </a:fld>
             <a:endParaRPr lang="en-US"/>
           </a:p>
@@ -2389,7 +2389,7 @@
           <a:p>
             <a:fld id="{A753835E-33D4-45E3-925F-9A4DDE80A361}" type="datetimeFigureOut">
               <a:rPr lang="en-US" smtClean="0"/>
-              <a:t>12/16/2020</a:t>
+              <a:t>3/9/2021</a:t>
             </a:fld>
             <a:endParaRPr lang="en-US"/>
           </a:p>
@@ -2507,7 +2507,7 @@
           <a:p>
             <a:fld id="{A753835E-33D4-45E3-925F-9A4DDE80A361}" type="datetimeFigureOut">
               <a:rPr lang="en-US" smtClean="0"/>
-              <a:t>12/16/2020</a:t>
+              <a:t>3/9/2021</a:t>
             </a:fld>
             <a:endParaRPr lang="en-US"/>
           </a:p>
@@ -2602,7 +2602,7 @@
           <a:p>
             <a:fld id="{A753835E-33D4-45E3-925F-9A4DDE80A361}" type="datetimeFigureOut">
               <a:rPr lang="en-US" smtClean="0"/>
-              <a:t>12/16/2020</a:t>
+              <a:t>3/9/2021</a:t>
             </a:fld>
             <a:endParaRPr lang="en-US"/>
           </a:p>
@@ -2879,7 +2879,7 @@
           <a:p>
             <a:fld id="{A753835E-33D4-45E3-925F-9A4DDE80A361}" type="datetimeFigureOut">
               <a:rPr lang="en-US" smtClean="0"/>
-              <a:t>12/16/2020</a:t>
+              <a:t>3/9/2021</a:t>
             </a:fld>
             <a:endParaRPr lang="en-US"/>
           </a:p>
@@ -3136,7 +3136,7 @@
           <a:p>
             <a:fld id="{A753835E-33D4-45E3-925F-9A4DDE80A361}" type="datetimeFigureOut">
               <a:rPr lang="en-US" smtClean="0"/>
-              <a:t>12/16/2020</a:t>
+              <a:t>3/9/2021</a:t>
             </a:fld>
             <a:endParaRPr lang="en-US"/>
           </a:p>
@@ -3349,7 +3349,7 @@
           <a:p>
             <a:fld id="{A753835E-33D4-45E3-925F-9A4DDE80A361}" type="datetimeFigureOut">
               <a:rPr lang="en-US" smtClean="0"/>
-              <a:t>12/16/2020</a:t>
+              <a:t>3/9/2021</a:t>
             </a:fld>
             <a:endParaRPr lang="en-US"/>
           </a:p>
@@ -3895,55 +3895,8 @@
                 <a:latin typeface="Myriad Pro" panose="020B0503030403020204" pitchFamily="34" charset="0"/>
                 <a:ea typeface="NSimSun" panose="02010609030101010101" pitchFamily="49" charset="-122"/>
               </a:rPr>
-              <a:t>to </a:t>
-            </a:r>
-            <a:r>
-              <a:rPr lang="en-US" sz="3200" dirty="0" smtClean="0">
-                <a:solidFill>
-                  <a:srgbClr val="0099FF"/>
-                </a:solidFill>
-                <a:latin typeface="Myriad Pro" panose="020B0503030403020204" pitchFamily="34" charset="0"/>
-                <a:ea typeface="NSimSun" panose="02010609030101010101" pitchFamily="49" charset="-122"/>
-              </a:rPr>
-              <a:t>model</a:t>
-            </a:r>
-            <a:r>
-              <a:rPr lang="en-US" sz="3200" dirty="0" smtClean="0">
-                <a:solidFill>
-                  <a:srgbClr val="0099FF"/>
-                </a:solidFill>
-                <a:latin typeface="Myriad Pro" panose="020B0503030403020204" pitchFamily="34" charset="0"/>
-                <a:ea typeface="NSimSun" panose="02010609030101010101" pitchFamily="49" charset="-122"/>
-              </a:rPr>
-              <a:t> and simulate a </a:t>
-            </a:r>
-            <a:r>
-              <a:rPr lang="en-US" sz="3200" dirty="0" smtClean="0">
-                <a:solidFill>
-                  <a:srgbClr val="0099FF"/>
-                </a:solidFill>
-                <a:latin typeface="Myriad Pro" panose="020B0503030403020204" pitchFamily="34" charset="0"/>
-                <a:ea typeface="NSimSun" panose="02010609030101010101" pitchFamily="49" charset="-122"/>
-              </a:rPr>
-              <a:t>systems biology </a:t>
-            </a:r>
-            <a:r>
-              <a:rPr lang="en-US" sz="3200" dirty="0" smtClean="0">
-                <a:solidFill>
-                  <a:srgbClr val="0099FF"/>
-                </a:solidFill>
-                <a:latin typeface="Myriad Pro" panose="020B0503030403020204" pitchFamily="34" charset="0"/>
-                <a:ea typeface="NSimSun" panose="02010609030101010101" pitchFamily="49" charset="-122"/>
-              </a:rPr>
-              <a:t>model.</a:t>
-            </a:r>
-            <a:endParaRPr lang="en-US" sz="3200" dirty="0" smtClean="0">
-              <a:solidFill>
-                <a:srgbClr val="0099FF"/>
-              </a:solidFill>
-              <a:latin typeface="Myriad Pro" panose="020B0503030403020204" pitchFamily="34" charset="0"/>
-              <a:ea typeface="NSimSun" panose="02010609030101010101" pitchFamily="49" charset="-122"/>
-            </a:endParaRPr>
+              <a:t>to model and simulate a systems biology model.</a:t>
+            </a:r>
           </a:p>
           <a:p>
             <a:pPr algn="l"/>
@@ -7500,7 +7453,7 @@
       </p:grpSpPr>
       <p:pic>
         <p:nvPicPr>
-          <p:cNvPr id="7" name="Picture 6"/>
+          <p:cNvPr id="2" name="Picture 1"/>
           <p:cNvPicPr>
             <a:picLocks noChangeAspect="1"/>
           </p:cNvPicPr>
@@ -7514,8 +7467,8 @@
         </p:blipFill>
         <p:spPr>
           <a:xfrm>
-            <a:off x="2866598" y="1632761"/>
-            <a:ext cx="12986605" cy="6992148"/>
+            <a:off x="2861742" y="1546637"/>
+            <a:ext cx="12977850" cy="6993700"/>
           </a:xfrm>
           <a:prstGeom prst="rect">
             <a:avLst/>
@@ -7537,7 +7490,7 @@
         </p:nvSpPr>
         <p:spPr>
           <a:xfrm>
-            <a:off x="5064076" y="900220"/>
+            <a:off x="5064076" y="817085"/>
             <a:ext cx="4827033" cy="646331"/>
           </a:xfrm>
           <a:prstGeom prst="rect">
@@ -7585,7 +7538,7 @@
         </p:nvSpPr>
         <p:spPr>
           <a:xfrm>
-            <a:off x="3122370" y="3848534"/>
+            <a:off x="3122370" y="4005543"/>
             <a:ext cx="1645671" cy="408332"/>
           </a:xfrm>
           <a:prstGeom prst="roundRect">
@@ -7632,7 +7585,7 @@
         </p:nvSpPr>
         <p:spPr>
           <a:xfrm>
-            <a:off x="9891109" y="4886549"/>
+            <a:off x="9891109" y="5255989"/>
             <a:ext cx="5633398" cy="1815882"/>
           </a:xfrm>
           <a:prstGeom prst="rect">
@@ -7701,9 +7654,9 @@
           <p:nvPr/>
         </p:nvCxnSpPr>
         <p:spPr>
-          <a:xfrm flipV="1">
-            <a:off x="6376964" y="1546552"/>
-            <a:ext cx="12686" cy="749176"/>
+          <a:xfrm flipH="1" flipV="1">
+            <a:off x="6403568" y="1461015"/>
+            <a:ext cx="1102" cy="1111793"/>
           </a:xfrm>
           <a:prstGeom prst="straightConnector1">
             <a:avLst/>
@@ -7739,7 +7692,7 @@
         </p:nvSpPr>
         <p:spPr>
           <a:xfrm>
-            <a:off x="3122370" y="4616075"/>
+            <a:off x="3122370" y="4680725"/>
             <a:ext cx="1645671" cy="408332"/>
           </a:xfrm>
           <a:prstGeom prst="roundRect">
@@ -7786,8 +7739,8 @@
         </p:nvSpPr>
         <p:spPr>
           <a:xfrm rot="2549942">
-            <a:off x="4070829" y="4686295"/>
-            <a:ext cx="1508721" cy="640631"/>
+            <a:off x="4477568" y="4704070"/>
+            <a:ext cx="990806" cy="408995"/>
           </a:xfrm>
           <a:custGeom>
             <a:avLst/>
@@ -8008,7 +7961,7 @@
         </p:nvSpPr>
         <p:spPr>
           <a:xfrm>
-            <a:off x="10131376" y="620820"/>
+            <a:off x="10131376" y="540086"/>
             <a:ext cx="5527724" cy="923330"/>
           </a:xfrm>
           <a:prstGeom prst="rect">
@@ -8056,8 +8009,8 @@
         </p:nvCxnSpPr>
         <p:spPr>
           <a:xfrm flipV="1">
-            <a:off x="10644150" y="1546552"/>
-            <a:ext cx="0" cy="749176"/>
+            <a:off x="10644150" y="1461015"/>
+            <a:ext cx="0" cy="1111793"/>
           </a:xfrm>
           <a:prstGeom prst="straightConnector1">
             <a:avLst/>
@@ -8093,7 +8046,7 @@
         </p:nvSpPr>
         <p:spPr>
           <a:xfrm rot="2549942">
-            <a:off x="11114074" y="4189850"/>
+            <a:off x="11114074" y="4559290"/>
             <a:ext cx="1393109" cy="253936"/>
           </a:xfrm>
           <a:custGeom>
@@ -8357,7 +8310,7 @@
         </p:nvSpPr>
         <p:spPr>
           <a:xfrm>
-            <a:off x="6375862" y="6922066"/>
+            <a:off x="6375862" y="6440902"/>
             <a:ext cx="2924255" cy="1077218"/>
           </a:xfrm>
           <a:prstGeom prst="rect">
@@ -8405,7 +8358,7 @@
         </p:nvSpPr>
         <p:spPr>
           <a:xfrm>
-            <a:off x="3100198" y="2888674"/>
+            <a:off x="3100198" y="3156518"/>
             <a:ext cx="1645671" cy="278476"/>
           </a:xfrm>
           <a:prstGeom prst="roundRect">
@@ -8483,7 +8436,7 @@
       </p:grpSpPr>
       <p:pic>
         <p:nvPicPr>
-          <p:cNvPr id="2" name="Picture 1"/>
+          <p:cNvPr id="6" name="Picture 5"/>
           <p:cNvPicPr>
             <a:picLocks noChangeAspect="1"/>
           </p:cNvPicPr>
@@ -8497,8 +8450,8 @@
         </p:blipFill>
         <p:spPr>
           <a:xfrm>
-            <a:off x="2866597" y="1167251"/>
-            <a:ext cx="12986605" cy="6992148"/>
+            <a:off x="2870975" y="1146150"/>
+            <a:ext cx="12977850" cy="6993700"/>
           </a:xfrm>
           <a:prstGeom prst="rect">
             <a:avLst/>
@@ -8520,7 +8473,7 @@
         </p:nvSpPr>
         <p:spPr>
           <a:xfrm>
-            <a:off x="3122370" y="4154721"/>
+            <a:off x="3122370" y="4284028"/>
             <a:ext cx="1645671" cy="408332"/>
           </a:xfrm>
           <a:prstGeom prst="roundRect">
@@ -8567,7 +8520,7 @@
         </p:nvSpPr>
         <p:spPr>
           <a:xfrm rot="2549942">
-            <a:off x="5950652" y="4476516"/>
+            <a:off x="5950652" y="4809023"/>
             <a:ext cx="1508721" cy="640631"/>
           </a:xfrm>
           <a:custGeom>
@@ -8789,7 +8742,7 @@
         </p:nvSpPr>
         <p:spPr>
           <a:xfrm>
-            <a:off x="3100198" y="2427316"/>
+            <a:off x="3100198" y="2759823"/>
             <a:ext cx="1645671" cy="278476"/>
           </a:xfrm>
           <a:prstGeom prst="roundRect">
@@ -8836,7 +8789,7 @@
         </p:nvSpPr>
         <p:spPr>
           <a:xfrm rot="2549942">
-            <a:off x="12379546" y="4026101"/>
+            <a:off x="12379546" y="4358608"/>
             <a:ext cx="1508721" cy="640631"/>
           </a:xfrm>
           <a:custGeom>
@@ -9058,7 +9011,7 @@
         </p:nvSpPr>
         <p:spPr>
           <a:xfrm>
-            <a:off x="5102311" y="5187115"/>
+            <a:off x="5102311" y="5519622"/>
             <a:ext cx="4750562" cy="1077218"/>
           </a:xfrm>
           <a:prstGeom prst="rect">
@@ -9106,7 +9059,7 @@
         </p:nvSpPr>
         <p:spPr>
           <a:xfrm>
-            <a:off x="10024112" y="4396097"/>
+            <a:off x="10024112" y="4728604"/>
             <a:ext cx="5633398" cy="1323439"/>
           </a:xfrm>
           <a:prstGeom prst="rect">
@@ -9185,7 +9138,7 @@
       </p:grpSpPr>
       <p:pic>
         <p:nvPicPr>
-          <p:cNvPr id="4" name="Picture 3"/>
+          <p:cNvPr id="3" name="Picture 2"/>
           <p:cNvPicPr>
             <a:picLocks noChangeAspect="1"/>
           </p:cNvPicPr>
@@ -9199,8 +9152,8 @@
         </p:blipFill>
         <p:spPr>
           <a:xfrm>
-            <a:off x="2866598" y="1183876"/>
-            <a:ext cx="12986605" cy="6992148"/>
+            <a:off x="2866598" y="1108436"/>
+            <a:ext cx="12977850" cy="6993700"/>
           </a:xfrm>
           <a:prstGeom prst="rect">
             <a:avLst/>
@@ -9222,7 +9175,7 @@
         </p:nvSpPr>
         <p:spPr>
           <a:xfrm>
-            <a:off x="3122370" y="4175503"/>
+            <a:off x="3122370" y="4249395"/>
             <a:ext cx="1645671" cy="408332"/>
           </a:xfrm>
           <a:prstGeom prst="roundRect">
@@ -9269,7 +9222,7 @@
         </p:nvSpPr>
         <p:spPr>
           <a:xfrm>
-            <a:off x="5091160" y="5120209"/>
+            <a:off x="5091160" y="5046321"/>
             <a:ext cx="5853864" cy="2308324"/>
           </a:xfrm>
           <a:prstGeom prst="rect">
@@ -9304,10 +9257,8 @@
                 </a:solidFill>
                 <a:latin typeface="Myriad Pro" panose="020B0503030403020204" pitchFamily="34" charset="0"/>
               </a:rPr>
-              <a:t>Stochastic simulation: time evolution of the species using an stochastic simulation method. Compared to the deterministic simulation, it provides a more accurate simulation, specially when the model is composed of a small number of molecules,  and linear noise analysis is a more appropriate tool than the deterministic sensitivity analysis to understand the limitations and regulation of the system. All these benefits come at the expense of a longer simulation time.</a:t>
-            </a:r>
-          </a:p>
-          <a:p>
+              <a:t>Stochastic simulation: time evolution of the species using </a:t>
+            </a:r>
             <a:r>
               <a:rPr lang="en-US" sz="1600" i="1" dirty="0" smtClean="0">
                 <a:solidFill>
@@ -9315,8 +9266,97 @@
                 </a:solidFill>
                 <a:latin typeface="Myriad Pro" panose="020B0503030403020204" pitchFamily="34" charset="0"/>
               </a:rPr>
-              <a:t>Tau-leaping optimization: useful in non-oscillating systems to reduce the simulation time.</a:t>
-            </a:r>
+              <a:t>the Gillespie SSA </a:t>
+            </a:r>
+            <a:r>
+              <a:rPr lang="en-US" sz="1600" i="1" dirty="0" smtClean="0">
+                <a:solidFill>
+                  <a:srgbClr val="C00000"/>
+                </a:solidFill>
+                <a:latin typeface="Myriad Pro" panose="020B0503030403020204" pitchFamily="34" charset="0"/>
+              </a:rPr>
+              <a:t>stochastic simulation method. Compared to the deterministic simulation, it provides a more accurate simulation, specially when the model is composed of a small number of </a:t>
+            </a:r>
+            <a:r>
+              <a:rPr lang="en-US" sz="1600" i="1" dirty="0" smtClean="0">
+                <a:solidFill>
+                  <a:srgbClr val="C00000"/>
+                </a:solidFill>
+                <a:latin typeface="Myriad Pro" panose="020B0503030403020204" pitchFamily="34" charset="0"/>
+              </a:rPr>
+              <a:t>molecules and </a:t>
+            </a:r>
+            <a:r>
+              <a:rPr lang="en-US" sz="1600" i="1" dirty="0" smtClean="0">
+                <a:solidFill>
+                  <a:srgbClr val="C00000"/>
+                </a:solidFill>
+                <a:latin typeface="Myriad Pro" panose="020B0503030403020204" pitchFamily="34" charset="0"/>
+              </a:rPr>
+              <a:t>linear noise analysis is a more appropriate tool than the deterministic sensitivity analysis to understand the limitations and regulation of the system. All these benefits come at the expense of a longer simulation time.</a:t>
+            </a:r>
+          </a:p>
+          <a:p>
+            <a:r>
+              <a:rPr lang="en-US" sz="1600" i="1" dirty="0" smtClean="0">
+                <a:solidFill>
+                  <a:srgbClr val="C00000"/>
+                </a:solidFill>
+                <a:latin typeface="Myriad Pro" panose="020B0503030403020204" pitchFamily="34" charset="0"/>
+              </a:rPr>
+              <a:t>Tau-leaping </a:t>
+            </a:r>
+            <a:r>
+              <a:rPr lang="en-US" sz="1600" i="1" dirty="0" smtClean="0">
+                <a:solidFill>
+                  <a:srgbClr val="C00000"/>
+                </a:solidFill>
+                <a:latin typeface="Myriad Pro" panose="020B0503030403020204" pitchFamily="34" charset="0"/>
+              </a:rPr>
+              <a:t>method: </a:t>
+            </a:r>
+            <a:r>
+              <a:rPr lang="en-US" sz="1600" i="1" dirty="0" smtClean="0">
+                <a:solidFill>
+                  <a:srgbClr val="C00000"/>
+                </a:solidFill>
+                <a:latin typeface="Myriad Pro" panose="020B0503030403020204" pitchFamily="34" charset="0"/>
+              </a:rPr>
+              <a:t>useful </a:t>
+            </a:r>
+            <a:r>
+              <a:rPr lang="en-US" sz="1600" i="1" dirty="0" smtClean="0">
+                <a:solidFill>
+                  <a:srgbClr val="C00000"/>
+                </a:solidFill>
+                <a:latin typeface="Myriad Pro" panose="020B0503030403020204" pitchFamily="34" charset="0"/>
+              </a:rPr>
+              <a:t>to </a:t>
+            </a:r>
+            <a:r>
+              <a:rPr lang="en-US" sz="1600" i="1" dirty="0" smtClean="0">
+                <a:solidFill>
+                  <a:srgbClr val="C00000"/>
+                </a:solidFill>
+                <a:latin typeface="Myriad Pro" panose="020B0503030403020204" pitchFamily="34" charset="0"/>
+              </a:rPr>
+              <a:t>reduce the simulation time</a:t>
+            </a:r>
+            <a:r>
+              <a:rPr lang="en-US" sz="1600" i="1" dirty="0" smtClean="0">
+                <a:solidFill>
+                  <a:srgbClr val="C00000"/>
+                </a:solidFill>
+                <a:latin typeface="Myriad Pro" panose="020B0503030403020204" pitchFamily="34" charset="0"/>
+              </a:rPr>
+              <a:t>. Not all models can benefit from it.</a:t>
+            </a:r>
+            <a:endParaRPr lang="en-US" sz="1600" i="1" dirty="0" smtClean="0">
+              <a:solidFill>
+                <a:srgbClr val="C00000"/>
+              </a:solidFill>
+              <a:latin typeface="Myriad Pro" panose="020B0503030403020204" pitchFamily="34" charset="0"/>
+            </a:endParaRPr>
           </a:p>
         </p:txBody>
       </p:sp>
@@ -9328,7 +9368,7 @@
         </p:nvSpPr>
         <p:spPr>
           <a:xfrm>
-            <a:off x="3100198" y="2718260"/>
+            <a:off x="3100198" y="3004583"/>
             <a:ext cx="1645671" cy="278476"/>
           </a:xfrm>
           <a:prstGeom prst="roundRect">
@@ -9420,7 +9460,7 @@
         </p:blipFill>
         <p:spPr>
           <a:xfrm>
-            <a:off x="2866598" y="1183876"/>
+            <a:off x="2866598" y="1109988"/>
             <a:ext cx="12986605" cy="6992148"/>
           </a:xfrm>
           <a:prstGeom prst="rect">
@@ -9443,7 +9483,7 @@
         </p:nvSpPr>
         <p:spPr>
           <a:xfrm>
-            <a:off x="10142663" y="2762865"/>
+            <a:off x="10142663" y="2688977"/>
             <a:ext cx="4978392" cy="2554545"/>
           </a:xfrm>
           <a:prstGeom prst="rect">
@@ -9580,7 +9620,7 @@
         </p:blipFill>
         <p:spPr>
           <a:xfrm>
-            <a:off x="2896344" y="1633937"/>
+            <a:off x="2896344" y="1560049"/>
             <a:ext cx="6818126" cy="6031459"/>
           </a:xfrm>
           <a:prstGeom prst="rect">
